--- a/docs/EFLA.pptx
+++ b/docs/EFLA.pptx
@@ -6,6 +6,7 @@
   </p:sldMasterIdLst>
   <p:sldIdLst>
     <p:sldId id="256" r:id="rId3"/>
+    <p:sldId id="257" r:id="rId4"/>
   </p:sldIdLst>
   <p:sldSz cx="12192000" cy="6858000"/>
   <p:notesSz cx="6858000" cy="9144000"/>
@@ -2957,7 +2958,7 @@
             <a:pPr algn="ctr"/>
             <a:r>
               <a:rPr lang="en-US" altLang="zh-CN" dirty="0"/>
-              <a:t>Train/Predict</a:t>
+              <a:t>Adaptive Train/Predict</a:t>
             </a:r>
             <a:endParaRPr lang="zh-CN" altLang="en-US" dirty="0"/>
           </a:p>
@@ -2996,8 +2997,8 @@
         </p:nvSpPr>
         <p:spPr>
           <a:xfrm>
-            <a:off x="223027" y="166253"/>
-            <a:ext cx="5280311" cy="1477328"/>
+            <a:off x="223662" y="166253"/>
+            <a:ext cx="5280311" cy="1568450"/>
           </a:xfrm>
           <a:prstGeom prst="rect">
             <a:avLst/>
@@ -3011,18 +3012,18 @@
           <a:lstStyle/>
           <a:p>
             <a:r>
-              <a:rPr lang="en-US" altLang="zh-CN" dirty="0"/>
-              <a:t>1</a:t>
-            </a:r>
-            <a:r>
-              <a:rPr lang="zh-CN" altLang="en-US" dirty="0"/>
-              <a:t>、</a:t>
-            </a:r>
-            <a:r>
-              <a:rPr lang="en-US" altLang="zh-CN" dirty="0"/>
-              <a:t>Extract / Predict</a:t>
-            </a:r>
-            <a:endParaRPr lang="en-US" altLang="zh-CN" dirty="0"/>
+              <a:rPr lang="en-US" altLang="zh-CN" sz="2400" b="1" dirty="0">
+                <a:solidFill>
+                  <a:srgbClr val="FF0000"/>
+                </a:solidFill>
+              </a:rPr>
+              <a:t>EFLA proto Layout</a:t>
+            </a:r>
+            <a:endParaRPr lang="en-US" altLang="zh-CN" sz="2400" b="1" dirty="0">
+              <a:solidFill>
+                <a:srgbClr val="FF0000"/>
+              </a:solidFill>
+            </a:endParaRPr>
           </a:p>
           <a:p>
             <a:endParaRPr lang="en-US" altLang="zh-CN" dirty="0"/>
@@ -4202,6 +4203,389 @@
           <a:p>
             <a:pPr algn="ctr"/>
             <a:endParaRPr lang="zh-CN" altLang="en-US"/>
+          </a:p>
+        </p:txBody>
+      </p:sp>
+      <p:sp>
+        <p:nvSpPr>
+          <p:cNvPr id="17" name="文本框 16"/>
+          <p:cNvSpPr txBox="1"/>
+          <p:nvPr/>
+        </p:nvSpPr>
+        <p:spPr>
+          <a:xfrm>
+            <a:off x="5660625" y="3198168"/>
+            <a:ext cx="870751" cy="461665"/>
+          </a:xfrm>
+          <a:prstGeom prst="rect">
+            <a:avLst/>
+          </a:prstGeom>
+          <a:noFill/>
+        </p:spPr>
+        <p:txBody>
+          <a:bodyPr wrap="none" rtlCol="0">
+            <a:spAutoFit/>
+          </a:bodyPr>
+          <a:lstStyle>
+            <a:defPPr>
+              <a:defRPr lang="zh-CN"/>
+            </a:defPPr>
+            <a:lvl1pPr marL="0" algn="l" defTabSz="914400" rtl="0" eaLnBrk="1" latinLnBrk="0" hangingPunct="1">
+              <a:defRPr sz="1800" kern="1200">
+                <a:solidFill>
+                  <a:schemeClr val="tx1"/>
+                </a:solidFill>
+                <a:latin typeface="+mn-lt"/>
+                <a:ea typeface="+mn-ea"/>
+                <a:cs typeface="+mn-cs"/>
+              </a:defRPr>
+            </a:lvl1pPr>
+            <a:lvl2pPr marL="457200" algn="l" defTabSz="914400" rtl="0" eaLnBrk="1" latinLnBrk="0" hangingPunct="1">
+              <a:defRPr sz="1800" kern="1200">
+                <a:solidFill>
+                  <a:schemeClr val="tx1"/>
+                </a:solidFill>
+                <a:latin typeface="+mn-lt"/>
+                <a:ea typeface="+mn-ea"/>
+                <a:cs typeface="+mn-cs"/>
+              </a:defRPr>
+            </a:lvl2pPr>
+            <a:lvl3pPr marL="914400" algn="l" defTabSz="914400" rtl="0" eaLnBrk="1" latinLnBrk="0" hangingPunct="1">
+              <a:defRPr sz="1800" kern="1200">
+                <a:solidFill>
+                  <a:schemeClr val="tx1"/>
+                </a:solidFill>
+                <a:latin typeface="+mn-lt"/>
+                <a:ea typeface="+mn-ea"/>
+                <a:cs typeface="+mn-cs"/>
+              </a:defRPr>
+            </a:lvl3pPr>
+            <a:lvl4pPr marL="1371600" algn="l" defTabSz="914400" rtl="0" eaLnBrk="1" latinLnBrk="0" hangingPunct="1">
+              <a:defRPr sz="1800" kern="1200">
+                <a:solidFill>
+                  <a:schemeClr val="tx1"/>
+                </a:solidFill>
+                <a:latin typeface="+mn-lt"/>
+                <a:ea typeface="+mn-ea"/>
+                <a:cs typeface="+mn-cs"/>
+              </a:defRPr>
+            </a:lvl4pPr>
+            <a:lvl5pPr marL="1828800" algn="l" defTabSz="914400" rtl="0" eaLnBrk="1" latinLnBrk="0" hangingPunct="1">
+              <a:defRPr sz="1800" kern="1200">
+                <a:solidFill>
+                  <a:schemeClr val="tx1"/>
+                </a:solidFill>
+                <a:latin typeface="+mn-lt"/>
+                <a:ea typeface="+mn-ea"/>
+                <a:cs typeface="+mn-cs"/>
+              </a:defRPr>
+            </a:lvl5pPr>
+            <a:lvl6pPr marL="2286000" algn="l" defTabSz="914400" rtl="0" eaLnBrk="1" latinLnBrk="0" hangingPunct="1">
+              <a:defRPr sz="1800" kern="1200">
+                <a:solidFill>
+                  <a:schemeClr val="tx1"/>
+                </a:solidFill>
+                <a:latin typeface="+mn-lt"/>
+                <a:ea typeface="+mn-ea"/>
+                <a:cs typeface="+mn-cs"/>
+              </a:defRPr>
+            </a:lvl6pPr>
+            <a:lvl7pPr marL="2743200" algn="l" defTabSz="914400" rtl="0" eaLnBrk="1" latinLnBrk="0" hangingPunct="1">
+              <a:defRPr sz="1800" kern="1200">
+                <a:solidFill>
+                  <a:schemeClr val="tx1"/>
+                </a:solidFill>
+                <a:latin typeface="+mn-lt"/>
+                <a:ea typeface="+mn-ea"/>
+                <a:cs typeface="+mn-cs"/>
+              </a:defRPr>
+            </a:lvl7pPr>
+            <a:lvl8pPr marL="3200400" algn="l" defTabSz="914400" rtl="0" eaLnBrk="1" latinLnBrk="0" hangingPunct="1">
+              <a:defRPr sz="1800" kern="1200">
+                <a:solidFill>
+                  <a:schemeClr val="tx1"/>
+                </a:solidFill>
+                <a:latin typeface="+mn-lt"/>
+                <a:ea typeface="+mn-ea"/>
+                <a:cs typeface="+mn-cs"/>
+              </a:defRPr>
+            </a:lvl8pPr>
+            <a:lvl9pPr marL="3657600" algn="l" defTabSz="914400" rtl="0" eaLnBrk="1" latinLnBrk="0" hangingPunct="1">
+              <a:defRPr sz="1800" kern="1200">
+                <a:solidFill>
+                  <a:schemeClr val="tx1"/>
+                </a:solidFill>
+                <a:latin typeface="+mn-lt"/>
+                <a:ea typeface="+mn-ea"/>
+                <a:cs typeface="+mn-cs"/>
+              </a:defRPr>
+            </a:lvl9pPr>
+          </a:lstStyle>
+          <a:p>
+            <a:r>
+              <a:rPr lang="en-US" altLang="zh-CN" sz="2400" b="1" dirty="0">
+                <a:solidFill>
+                  <a:srgbClr val="C00000"/>
+                </a:solidFill>
+              </a:rPr>
+              <a:t>IPM</a:t>
+            </a:r>
+            <a:endParaRPr lang="zh-CN" altLang="en-US" sz="2400" b="1" dirty="0">
+              <a:solidFill>
+                <a:srgbClr val="C00000"/>
+              </a:solidFill>
+            </a:endParaRPr>
+          </a:p>
+        </p:txBody>
+      </p:sp>
+    </p:spTree>
+  </p:cSld>
+  <p:clrMapOvr>
+    <a:masterClrMapping/>
+  </p:clrMapOvr>
+</p:sld>
+</file>
+
+<file path=ppt/slides/slide2.xml><?xml version="1.0" encoding="utf-8"?>
+<p:sld xmlns:a="http://schemas.openxmlformats.org/drawingml/2006/main" xmlns:r="http://schemas.openxmlformats.org/officeDocument/2006/relationships" xmlns:p="http://schemas.openxmlformats.org/presentationml/2006/main">
+  <p:cSld>
+    <p:spTree>
+      <p:nvGrpSpPr>
+        <p:cNvPr id="1" name=""/>
+        <p:cNvGrpSpPr/>
+        <p:nvPr/>
+      </p:nvGrpSpPr>
+      <p:grpSpPr/>
+      <p:sp>
+        <p:nvSpPr>
+          <p:cNvPr id="6" name="文本框 5"/>
+          <p:cNvSpPr txBox="1"/>
+          <p:nvPr/>
+        </p:nvSpPr>
+        <p:spPr>
+          <a:xfrm>
+            <a:off x="223662" y="166253"/>
+            <a:ext cx="5280311" cy="1014730"/>
+          </a:xfrm>
+          <a:prstGeom prst="rect">
+            <a:avLst/>
+          </a:prstGeom>
+          <a:noFill/>
+        </p:spPr>
+        <p:txBody>
+          <a:bodyPr wrap="square" rtlCol="0">
+            <a:spAutoFit/>
+          </a:bodyPr>
+          <a:p>
+            <a:r>
+              <a:rPr lang="en-US" altLang="zh-CN" sz="2400" b="1" dirty="0">
+                <a:solidFill>
+                  <a:srgbClr val="FF0000"/>
+                </a:solidFill>
+              </a:rPr>
+              <a:t>EFLA UI</a:t>
+            </a:r>
+            <a:endParaRPr lang="en-US" altLang="zh-CN" sz="2400" b="1" dirty="0">
+              <a:solidFill>
+                <a:srgbClr val="FF0000"/>
+              </a:solidFill>
+            </a:endParaRPr>
+          </a:p>
+          <a:p>
+            <a:endParaRPr lang="en-US" altLang="zh-CN" dirty="0"/>
+          </a:p>
+          <a:p>
+            <a:endParaRPr lang="en-US" altLang="zh-CN" dirty="0"/>
+          </a:p>
+        </p:txBody>
+      </p:sp>
+      <p:pic>
+        <p:nvPicPr>
+          <p:cNvPr id="5" name="图片 4"/>
+          <p:cNvPicPr>
+            <a:picLocks noChangeAspect="1"/>
+          </p:cNvPicPr>
+          <p:nvPr/>
+        </p:nvPicPr>
+        <p:blipFill>
+          <a:blip r:embed="rId1"/>
+          <a:stretch>
+            <a:fillRect/>
+          </a:stretch>
+        </p:blipFill>
+        <p:spPr>
+          <a:xfrm>
+            <a:off x="223520" y="826770"/>
+            <a:ext cx="11715750" cy="5784850"/>
+          </a:xfrm>
+          <a:prstGeom prst="rect">
+            <a:avLst/>
+          </a:prstGeom>
+        </p:spPr>
+      </p:pic>
+      <p:sp>
+        <p:nvSpPr>
+          <p:cNvPr id="7" name="圆角矩形 6"/>
+          <p:cNvSpPr/>
+          <p:nvPr/>
+        </p:nvSpPr>
+        <p:spPr>
+          <a:xfrm>
+            <a:off x="293370" y="1235710"/>
+            <a:ext cx="1962785" cy="659765"/>
+          </a:xfrm>
+          <a:prstGeom prst="roundRect">
+            <a:avLst/>
+          </a:prstGeom>
+        </p:spPr>
+        <p:style>
+          <a:lnRef idx="1">
+            <a:schemeClr val="accent3"/>
+          </a:lnRef>
+          <a:fillRef idx="3">
+            <a:schemeClr val="accent3"/>
+          </a:fillRef>
+          <a:effectRef idx="2">
+            <a:schemeClr val="accent3"/>
+          </a:effectRef>
+          <a:fontRef idx="minor">
+            <a:schemeClr val="lt1"/>
+          </a:fontRef>
+        </p:style>
+        <p:txBody>
+          <a:bodyPr rtlCol="0" anchor="ctr"/>
+          <a:p>
+            <a:pPr algn="ctr"/>
+            <a:r>
+              <a:rPr lang="en-US" altLang="zh-CN"/>
+              <a:t>Predict</a:t>
+            </a:r>
+            <a:endParaRPr lang="en-US" altLang="zh-CN"/>
+          </a:p>
+        </p:txBody>
+      </p:sp>
+      <p:sp>
+        <p:nvSpPr>
+          <p:cNvPr id="8" name="圆角矩形 7"/>
+          <p:cNvSpPr/>
+          <p:nvPr/>
+        </p:nvSpPr>
+        <p:spPr>
+          <a:xfrm>
+            <a:off x="293370" y="1903730"/>
+            <a:ext cx="1962785" cy="659765"/>
+          </a:xfrm>
+          <a:prstGeom prst="roundRect">
+            <a:avLst/>
+          </a:prstGeom>
+        </p:spPr>
+        <p:style>
+          <a:lnRef idx="1">
+            <a:schemeClr val="accent3"/>
+          </a:lnRef>
+          <a:fillRef idx="3">
+            <a:schemeClr val="accent3"/>
+          </a:fillRef>
+          <a:effectRef idx="2">
+            <a:schemeClr val="accent3"/>
+          </a:effectRef>
+          <a:fontRef idx="minor">
+            <a:schemeClr val="lt1"/>
+          </a:fontRef>
+        </p:style>
+        <p:txBody>
+          <a:bodyPr rtlCol="0" anchor="ctr"/>
+          <a:p>
+            <a:pPr algn="ctr"/>
+            <a:r>
+              <a:rPr lang="en-US" altLang="zh-CN"/>
+              <a:t>Edit</a:t>
+            </a:r>
+            <a:endParaRPr lang="en-US" altLang="zh-CN"/>
+          </a:p>
+        </p:txBody>
+      </p:sp>
+      <p:sp>
+        <p:nvSpPr>
+          <p:cNvPr id="9" name="圆角矩形 8"/>
+          <p:cNvSpPr/>
+          <p:nvPr/>
+        </p:nvSpPr>
+        <p:spPr>
+          <a:xfrm>
+            <a:off x="293370" y="2563495"/>
+            <a:ext cx="1962785" cy="659765"/>
+          </a:xfrm>
+          <a:prstGeom prst="roundRect">
+            <a:avLst/>
+          </a:prstGeom>
+        </p:spPr>
+        <p:style>
+          <a:lnRef idx="1">
+            <a:schemeClr val="accent3"/>
+          </a:lnRef>
+          <a:fillRef idx="3">
+            <a:schemeClr val="accent3"/>
+          </a:fillRef>
+          <a:effectRef idx="2">
+            <a:schemeClr val="accent3"/>
+          </a:effectRef>
+          <a:fontRef idx="minor">
+            <a:schemeClr val="lt1"/>
+          </a:fontRef>
+        </p:style>
+        <p:txBody>
+          <a:bodyPr rtlCol="0" anchor="ctr"/>
+          <a:p>
+            <a:pPr algn="ctr"/>
+            <a:r>
+              <a:rPr lang="en-US" altLang="zh-CN"/>
+              <a:t>Submit</a:t>
+            </a:r>
+            <a:endParaRPr lang="en-US" altLang="zh-CN"/>
+          </a:p>
+        </p:txBody>
+      </p:sp>
+      <p:sp>
+        <p:nvSpPr>
+          <p:cNvPr id="10" name="圆角矩形 9"/>
+          <p:cNvSpPr/>
+          <p:nvPr/>
+        </p:nvSpPr>
+        <p:spPr>
+          <a:xfrm>
+            <a:off x="293370" y="3231515"/>
+            <a:ext cx="1962785" cy="2455545"/>
+          </a:xfrm>
+          <a:prstGeom prst="roundRect">
+            <a:avLst>
+              <a:gd name="adj" fmla="val 7732"/>
+            </a:avLst>
+          </a:prstGeom>
+        </p:spPr>
+        <p:style>
+          <a:lnRef idx="1">
+            <a:schemeClr val="accent3"/>
+          </a:lnRef>
+          <a:fillRef idx="3">
+            <a:schemeClr val="accent3"/>
+          </a:fillRef>
+          <a:effectRef idx="2">
+            <a:schemeClr val="accent3"/>
+          </a:effectRef>
+          <a:fontRef idx="minor">
+            <a:schemeClr val="lt1"/>
+          </a:fontRef>
+        </p:style>
+        <p:txBody>
+          <a:bodyPr rtlCol="0" anchor="ctr"/>
+          <a:p>
+            <a:pPr algn="ctr"/>
+            <a:r>
+              <a:rPr lang="en-US" altLang="zh-CN"/>
+              <a:t>Run</a:t>
+            </a:r>
+            <a:endParaRPr lang="en-US" altLang="zh-CN"/>
           </a:p>
         </p:txBody>
       </p:sp>
